--- a/lealone/docs/Lealone架构.pptx
+++ b/lealone/docs/Lealone架构.pptx
@@ -288,7 +288,8 @@
           <a:p>
             <a:fld id="{79999C13-7D73-4A87-8CC5-7FBB81244F5A}" type="datetimeFigureOut">
               <a:rPr lang="zh-CN" altLang="en-US" smtClean="0"/>
-              <a:t>2015/5/10</a:t>
+              <a:pPr/>
+              <a:t>2015/5/12</a:t>
             </a:fld>
             <a:endParaRPr lang="zh-CN" altLang="en-US"/>
           </a:p>
@@ -330,6 +331,7 @@
           <a:p>
             <a:fld id="{A6C52A36-E8E0-4FC5-AA23-9B55DFB21044}" type="slidenum">
               <a:rPr lang="zh-CN" altLang="en-US" smtClean="0"/>
+              <a:pPr/>
               <a:t>‹#›</a:t>
             </a:fld>
             <a:endParaRPr lang="zh-CN" altLang="en-US"/>
@@ -453,7 +455,8 @@
           <a:p>
             <a:fld id="{79999C13-7D73-4A87-8CC5-7FBB81244F5A}" type="datetimeFigureOut">
               <a:rPr lang="zh-CN" altLang="en-US" smtClean="0"/>
-              <a:t>2015/5/10</a:t>
+              <a:pPr/>
+              <a:t>2015/5/12</a:t>
             </a:fld>
             <a:endParaRPr lang="zh-CN" altLang="en-US"/>
           </a:p>
@@ -495,6 +498,7 @@
           <a:p>
             <a:fld id="{A6C52A36-E8E0-4FC5-AA23-9B55DFB21044}" type="slidenum">
               <a:rPr lang="zh-CN" altLang="en-US" smtClean="0"/>
+              <a:pPr/>
               <a:t>‹#›</a:t>
             </a:fld>
             <a:endParaRPr lang="zh-CN" altLang="en-US"/>
@@ -628,7 +632,8 @@
           <a:p>
             <a:fld id="{79999C13-7D73-4A87-8CC5-7FBB81244F5A}" type="datetimeFigureOut">
               <a:rPr lang="zh-CN" altLang="en-US" smtClean="0"/>
-              <a:t>2015/5/10</a:t>
+              <a:pPr/>
+              <a:t>2015/5/12</a:t>
             </a:fld>
             <a:endParaRPr lang="zh-CN" altLang="en-US"/>
           </a:p>
@@ -670,6 +675,7 @@
           <a:p>
             <a:fld id="{A6C52A36-E8E0-4FC5-AA23-9B55DFB21044}" type="slidenum">
               <a:rPr lang="zh-CN" altLang="en-US" smtClean="0"/>
+              <a:pPr/>
               <a:t>‹#›</a:t>
             </a:fld>
             <a:endParaRPr lang="zh-CN" altLang="en-US"/>
@@ -793,7 +799,8 @@
           <a:p>
             <a:fld id="{79999C13-7D73-4A87-8CC5-7FBB81244F5A}" type="datetimeFigureOut">
               <a:rPr lang="zh-CN" altLang="en-US" smtClean="0"/>
-              <a:t>2015/5/10</a:t>
+              <a:pPr/>
+              <a:t>2015/5/12</a:t>
             </a:fld>
             <a:endParaRPr lang="zh-CN" altLang="en-US"/>
           </a:p>
@@ -835,6 +842,7 @@
           <a:p>
             <a:fld id="{A6C52A36-E8E0-4FC5-AA23-9B55DFB21044}" type="slidenum">
               <a:rPr lang="zh-CN" altLang="en-US" smtClean="0"/>
+              <a:pPr/>
               <a:t>‹#›</a:t>
             </a:fld>
             <a:endParaRPr lang="zh-CN" altLang="en-US"/>
@@ -1034,7 +1042,8 @@
           <a:p>
             <a:fld id="{79999C13-7D73-4A87-8CC5-7FBB81244F5A}" type="datetimeFigureOut">
               <a:rPr lang="zh-CN" altLang="en-US" smtClean="0"/>
-              <a:t>2015/5/10</a:t>
+              <a:pPr/>
+              <a:t>2015/5/12</a:t>
             </a:fld>
             <a:endParaRPr lang="zh-CN" altLang="en-US"/>
           </a:p>
@@ -1076,6 +1085,7 @@
           <a:p>
             <a:fld id="{A6C52A36-E8E0-4FC5-AA23-9B55DFB21044}" type="slidenum">
               <a:rPr lang="zh-CN" altLang="en-US" smtClean="0"/>
+              <a:pPr/>
               <a:t>‹#›</a:t>
             </a:fld>
             <a:endParaRPr lang="zh-CN" altLang="en-US"/>
@@ -1317,7 +1327,8 @@
           <a:p>
             <a:fld id="{79999C13-7D73-4A87-8CC5-7FBB81244F5A}" type="datetimeFigureOut">
               <a:rPr lang="zh-CN" altLang="en-US" smtClean="0"/>
-              <a:t>2015/5/10</a:t>
+              <a:pPr/>
+              <a:t>2015/5/12</a:t>
             </a:fld>
             <a:endParaRPr lang="zh-CN" altLang="en-US"/>
           </a:p>
@@ -1359,6 +1370,7 @@
           <a:p>
             <a:fld id="{A6C52A36-E8E0-4FC5-AA23-9B55DFB21044}" type="slidenum">
               <a:rPr lang="zh-CN" altLang="en-US" smtClean="0"/>
+              <a:pPr/>
               <a:t>‹#›</a:t>
             </a:fld>
             <a:endParaRPr lang="zh-CN" altLang="en-US"/>
@@ -1734,7 +1746,8 @@
           <a:p>
             <a:fld id="{79999C13-7D73-4A87-8CC5-7FBB81244F5A}" type="datetimeFigureOut">
               <a:rPr lang="zh-CN" altLang="en-US" smtClean="0"/>
-              <a:t>2015/5/10</a:t>
+              <a:pPr/>
+              <a:t>2015/5/12</a:t>
             </a:fld>
             <a:endParaRPr lang="zh-CN" altLang="en-US"/>
           </a:p>
@@ -1776,6 +1789,7 @@
           <a:p>
             <a:fld id="{A6C52A36-E8E0-4FC5-AA23-9B55DFB21044}" type="slidenum">
               <a:rPr lang="zh-CN" altLang="en-US" smtClean="0"/>
+              <a:pPr/>
               <a:t>‹#›</a:t>
             </a:fld>
             <a:endParaRPr lang="zh-CN" altLang="en-US"/>
@@ -1847,7 +1861,8 @@
           <a:p>
             <a:fld id="{79999C13-7D73-4A87-8CC5-7FBB81244F5A}" type="datetimeFigureOut">
               <a:rPr lang="zh-CN" altLang="en-US" smtClean="0"/>
-              <a:t>2015/5/10</a:t>
+              <a:pPr/>
+              <a:t>2015/5/12</a:t>
             </a:fld>
             <a:endParaRPr lang="zh-CN" altLang="en-US"/>
           </a:p>
@@ -1889,6 +1904,7 @@
           <a:p>
             <a:fld id="{A6C52A36-E8E0-4FC5-AA23-9B55DFB21044}" type="slidenum">
               <a:rPr lang="zh-CN" altLang="en-US" smtClean="0"/>
+              <a:pPr/>
               <a:t>‹#›</a:t>
             </a:fld>
             <a:endParaRPr lang="zh-CN" altLang="en-US"/>
@@ -1937,7 +1953,8 @@
           <a:p>
             <a:fld id="{79999C13-7D73-4A87-8CC5-7FBB81244F5A}" type="datetimeFigureOut">
               <a:rPr lang="zh-CN" altLang="en-US" smtClean="0"/>
-              <a:t>2015/5/10</a:t>
+              <a:pPr/>
+              <a:t>2015/5/12</a:t>
             </a:fld>
             <a:endParaRPr lang="zh-CN" altLang="en-US"/>
           </a:p>
@@ -1979,6 +1996,7 @@
           <a:p>
             <a:fld id="{A6C52A36-E8E0-4FC5-AA23-9B55DFB21044}" type="slidenum">
               <a:rPr lang="zh-CN" altLang="en-US" smtClean="0"/>
+              <a:pPr/>
               <a:t>‹#›</a:t>
             </a:fld>
             <a:endParaRPr lang="zh-CN" altLang="en-US"/>
@@ -2209,7 +2227,8 @@
           <a:p>
             <a:fld id="{79999C13-7D73-4A87-8CC5-7FBB81244F5A}" type="datetimeFigureOut">
               <a:rPr lang="zh-CN" altLang="en-US" smtClean="0"/>
-              <a:t>2015/5/10</a:t>
+              <a:pPr/>
+              <a:t>2015/5/12</a:t>
             </a:fld>
             <a:endParaRPr lang="zh-CN" altLang="en-US"/>
           </a:p>
@@ -2251,6 +2270,7 @@
           <a:p>
             <a:fld id="{A6C52A36-E8E0-4FC5-AA23-9B55DFB21044}" type="slidenum">
               <a:rPr lang="zh-CN" altLang="en-US" smtClean="0"/>
+              <a:pPr/>
               <a:t>‹#›</a:t>
             </a:fld>
             <a:endParaRPr lang="zh-CN" altLang="en-US"/>
@@ -2457,7 +2477,8 @@
           <a:p>
             <a:fld id="{79999C13-7D73-4A87-8CC5-7FBB81244F5A}" type="datetimeFigureOut">
               <a:rPr lang="zh-CN" altLang="en-US" smtClean="0"/>
-              <a:t>2015/5/10</a:t>
+              <a:pPr/>
+              <a:t>2015/5/12</a:t>
             </a:fld>
             <a:endParaRPr lang="zh-CN" altLang="en-US"/>
           </a:p>
@@ -2499,6 +2520,7 @@
           <a:p>
             <a:fld id="{A6C52A36-E8E0-4FC5-AA23-9B55DFB21044}" type="slidenum">
               <a:rPr lang="zh-CN" altLang="en-US" smtClean="0"/>
+              <a:pPr/>
               <a:t>‹#›</a:t>
             </a:fld>
             <a:endParaRPr lang="zh-CN" altLang="en-US"/>
@@ -2665,7 +2687,8 @@
           <a:p>
             <a:fld id="{79999C13-7D73-4A87-8CC5-7FBB81244F5A}" type="datetimeFigureOut">
               <a:rPr lang="zh-CN" altLang="en-US" smtClean="0"/>
-              <a:t>2015/5/10</a:t>
+              <a:pPr/>
+              <a:t>2015/5/12</a:t>
             </a:fld>
             <a:endParaRPr lang="zh-CN" altLang="en-US"/>
           </a:p>
@@ -2743,6 +2766,7 @@
           <a:p>
             <a:fld id="{A6C52A36-E8E0-4FC5-AA23-9B55DFB21044}" type="slidenum">
               <a:rPr lang="zh-CN" altLang="en-US" smtClean="0"/>
+              <a:pPr/>
               <a:t>‹#›</a:t>
             </a:fld>
             <a:endParaRPr lang="zh-CN" altLang="en-US"/>
@@ -3043,7 +3067,7 @@
         </p:nvSpPr>
         <p:spPr>
           <a:xfrm>
-            <a:off x="-428660" y="6914714"/>
+            <a:off x="-281180" y="6914714"/>
             <a:ext cx="1714512" cy="857256"/>
           </a:xfrm>
           <a:prstGeom prst="roundRect">
@@ -3141,7 +3165,7 @@
         </p:nvSpPr>
         <p:spPr>
           <a:xfrm>
-            <a:off x="-399164" y="6143644"/>
+            <a:off x="-266432" y="6143644"/>
             <a:ext cx="6786610" cy="428628"/>
           </a:xfrm>
           <a:prstGeom prst="roundRect">
@@ -3176,19 +3200,11 @@
             <a:pPr algn="ctr"/>
             <a:r>
               <a:rPr lang="en-US" altLang="zh-CN" dirty="0" err="1" smtClean="0"/>
-              <a:t>Storage</a:t>
-            </a:r>
-            <a:r>
-              <a:rPr lang="en-US" altLang="zh-CN" dirty="0" err="1" smtClean="0"/>
-              <a:t>Engine</a:t>
+              <a:t>StorageEngine</a:t>
             </a:r>
             <a:r>
               <a:rPr lang="en-US" altLang="zh-CN" dirty="0" smtClean="0"/>
-              <a:t>/</a:t>
-            </a:r>
-            <a:r>
-              <a:rPr lang="en-US" altLang="zh-CN" dirty="0" smtClean="0"/>
-              <a:t>Map API</a:t>
+              <a:t>/Map API</a:t>
             </a:r>
             <a:endParaRPr lang="zh-CN" altLang="en-US" dirty="0"/>
           </a:p>
@@ -3202,7 +3218,7 @@
         </p:nvSpPr>
         <p:spPr>
           <a:xfrm>
-            <a:off x="-298230" y="4286256"/>
+            <a:off x="-253986" y="4286256"/>
             <a:ext cx="4256784" cy="428628"/>
           </a:xfrm>
           <a:prstGeom prst="roundRect">
@@ -3255,7 +3271,7 @@
         </p:nvSpPr>
         <p:spPr>
           <a:xfrm>
-            <a:off x="-330648" y="5072074"/>
+            <a:off x="-256908" y="5072074"/>
             <a:ext cx="1714512" cy="714380"/>
           </a:xfrm>
           <a:prstGeom prst="roundRect">
@@ -3361,7 +3377,7 @@
         </p:nvSpPr>
         <p:spPr>
           <a:xfrm>
-            <a:off x="4689984" y="6931764"/>
+            <a:off x="4807968" y="6931764"/>
             <a:ext cx="1714512" cy="857256"/>
           </a:xfrm>
           <a:prstGeom prst="roundRect">
@@ -3445,15 +3461,7 @@
             <a:pPr algn="ctr"/>
             <a:r>
               <a:rPr lang="en-US" altLang="zh-CN" dirty="0" smtClean="0"/>
-              <a:t>SQL </a:t>
-            </a:r>
-            <a:r>
-              <a:rPr lang="en-US" altLang="zh-CN" dirty="0" smtClean="0"/>
-              <a:t>Engine</a:t>
-            </a:r>
-            <a:r>
-              <a:rPr lang="en-US" altLang="zh-CN" dirty="0" smtClean="0"/>
-              <a:t> </a:t>
+              <a:t>SQL Engine </a:t>
             </a:r>
             <a:endParaRPr lang="zh-CN" altLang="en-US" dirty="0"/>
           </a:p>
@@ -3467,7 +3475,7 @@
         </p:nvSpPr>
         <p:spPr>
           <a:xfrm>
-            <a:off x="-273338" y="3429000"/>
+            <a:off x="-243842" y="3429000"/>
             <a:ext cx="4946272" cy="500066"/>
           </a:xfrm>
           <a:prstGeom prst="roundRect">
